--- a/reports/presentation/kinocto_PB.pptx
+++ b/reports/presentation/kinocto_PB.pptx
@@ -208,7 +208,7 @@
             <a:fld id="{381DA2EF-BD8E-7540-8292-FDE805AE340C}" type="datetimeFigureOut">
               <a:rPr lang="en-US" smtClean="0"/>
               <a:pPr/>
-              <a:t>2/23/2013</a:t>
+              <a:t>2/24/2013</a:t>
             </a:fld>
             <a:endParaRPr lang="en-US"/>
           </a:p>
@@ -275,7 +275,7 @@
             <a:fld id="{DDE3F994-EAC4-FF47-8983-5D5243732344}" type="slidenum">
               <a:rPr lang="en-US" smtClean="0"/>
               <a:pPr/>
-              <a:t>‹N°›</a:t>
+              <a:t>‹#›</a:t>
             </a:fld>
             <a:endParaRPr lang="en-US"/>
           </a:p>
@@ -284,7 +284,7 @@
     </p:spTree>
     <p:extLst>
       <p:ext uri="{BB962C8B-B14F-4D97-AF65-F5344CB8AC3E}">
-        <p14:creationId xmlns:p14="http://schemas.microsoft.com/office/powerpoint/2010/main" xmlns="" val="1816699134"/>
+        <p14:creationId xmlns:p14="http://schemas.microsoft.com/office/powerpoint/2010/main" val="1816699134"/>
       </p:ext>
     </p:extLst>
   </p:cSld>
@@ -375,7 +375,7 @@
             <a:fld id="{2D05A41B-3834-2942-A655-D365844A6823}" type="datetimeFigureOut">
               <a:rPr lang="en-US" smtClean="0"/>
               <a:pPr/>
-              <a:t>2/23/2013</a:t>
+              <a:t>2/24/2013</a:t>
             </a:fld>
             <a:endParaRPr lang="en-US"/>
           </a:p>
@@ -535,7 +535,7 @@
             <a:fld id="{01F94ABA-BBF7-E74A-BB66-6244F76131B0}" type="slidenum">
               <a:rPr lang="en-US" smtClean="0"/>
               <a:pPr/>
-              <a:t>‹N°›</a:t>
+              <a:t>‹#›</a:t>
             </a:fld>
             <a:endParaRPr lang="en-US"/>
           </a:p>
@@ -544,7 +544,7 @@
     </p:spTree>
     <p:extLst>
       <p:ext uri="{BB962C8B-B14F-4D97-AF65-F5344CB8AC3E}">
-        <p14:creationId xmlns:p14="http://schemas.microsoft.com/office/powerpoint/2010/main" xmlns="" val="1473721729"/>
+        <p14:creationId xmlns:p14="http://schemas.microsoft.com/office/powerpoint/2010/main" val="1473721729"/>
       </p:ext>
     </p:extLst>
   </p:cSld>
@@ -864,7 +864,7 @@
             <a:fld id="{1B7D6F30-1720-D44A-AAAC-31BBD1F6EF97}" type="datetimeFigureOut">
               <a:rPr lang="en-US" smtClean="0"/>
               <a:pPr/>
-              <a:t>2/23/2013</a:t>
+              <a:t>2/24/2013</a:t>
             </a:fld>
             <a:endParaRPr lang="en-US"/>
           </a:p>
@@ -907,7 +907,7 @@
             <a:fld id="{B9D2C864-9362-43C7-A136-D9C41D93A96D}" type="slidenum">
               <a:rPr lang="en-US" smtClean="0"/>
               <a:pPr/>
-              <a:t>‹N°›</a:t>
+              <a:t>‹#›</a:t>
             </a:fld>
             <a:endParaRPr lang="en-US"/>
           </a:p>
@@ -918,11 +918,11 @@
   <p:clrMapOvr>
     <a:masterClrMapping/>
   </p:clrMapOvr>
-  <mc:AlternateContent xmlns:mc="http://schemas.openxmlformats.org/markup-compatibility/2006">
-    <mc:Choice xmlns:p14="http://schemas.microsoft.com/office/powerpoint/2010/main" xmlns="" Requires="p14">
+  <mc:AlternateContent xmlns:mc="http://schemas.openxmlformats.org/markup-compatibility/2006" xmlns:p14="http://schemas.microsoft.com/office/powerpoint/2010/main">
+    <mc:Choice Requires="p14">
       <p:transition p14:dur="0"/>
     </mc:Choice>
-    <mc:Fallback>
+    <mc:Fallback xmlns="">
       <p:transition/>
     </mc:Fallback>
   </mc:AlternateContent>
@@ -1195,7 +1195,7 @@
             <a:fld id="{1B7D6F30-1720-D44A-AAAC-31BBD1F6EF97}" type="datetimeFigureOut">
               <a:rPr lang="en-US" smtClean="0"/>
               <a:pPr/>
-              <a:t>2/23/2013</a:t>
+              <a:t>2/24/2013</a:t>
             </a:fld>
             <a:endParaRPr lang="en-US"/>
           </a:p>
@@ -1238,7 +1238,7 @@
             <a:fld id="{34F69241-712D-714D-B9ED-2633319E0850}" type="slidenum">
               <a:rPr lang="en-US" smtClean="0"/>
               <a:pPr/>
-              <a:t>‹N°›</a:t>
+              <a:t>‹#›</a:t>
             </a:fld>
             <a:endParaRPr lang="en-US"/>
           </a:p>
@@ -1249,11 +1249,11 @@
   <p:clrMapOvr>
     <a:masterClrMapping/>
   </p:clrMapOvr>
-  <mc:AlternateContent xmlns:mc="http://schemas.openxmlformats.org/markup-compatibility/2006">
-    <mc:Choice xmlns:p14="http://schemas.microsoft.com/office/powerpoint/2010/main" xmlns="" Requires="p14">
+  <mc:AlternateContent xmlns:mc="http://schemas.openxmlformats.org/markup-compatibility/2006" xmlns:p14="http://schemas.microsoft.com/office/powerpoint/2010/main">
+    <mc:Choice Requires="p14">
       <p:transition p14:dur="0"/>
     </mc:Choice>
-    <mc:Fallback>
+    <mc:Fallback xmlns="">
       <p:transition/>
     </mc:Fallback>
   </mc:AlternateContent>
@@ -1482,7 +1482,7 @@
             <a:fld id="{1B7D6F30-1720-D44A-AAAC-31BBD1F6EF97}" type="datetimeFigureOut">
               <a:rPr lang="en-US" smtClean="0"/>
               <a:pPr/>
-              <a:t>2/23/2013</a:t>
+              <a:t>2/24/2013</a:t>
             </a:fld>
             <a:endParaRPr lang="en-US"/>
           </a:p>
@@ -1547,11 +1547,11 @@
   <p:clrMapOvr>
     <a:masterClrMapping/>
   </p:clrMapOvr>
-  <mc:AlternateContent xmlns:mc="http://schemas.openxmlformats.org/markup-compatibility/2006">
-    <mc:Choice xmlns:p14="http://schemas.microsoft.com/office/powerpoint/2010/main" xmlns="" Requires="p14">
+  <mc:AlternateContent xmlns:mc="http://schemas.openxmlformats.org/markup-compatibility/2006" xmlns:p14="http://schemas.microsoft.com/office/powerpoint/2010/main">
+    <mc:Choice Requires="p14">
       <p:transition p14:dur="0"/>
     </mc:Choice>
-    <mc:Fallback>
+    <mc:Fallback xmlns="">
       <p:transition/>
     </mc:Fallback>
   </mc:AlternateContent>
@@ -1785,7 +1785,7 @@
             <a:fld id="{1B7D6F30-1720-D44A-AAAC-31BBD1F6EF97}" type="datetimeFigureOut">
               <a:rPr lang="en-US" smtClean="0"/>
               <a:pPr/>
-              <a:t>2/23/2013</a:t>
+              <a:t>2/24/2013</a:t>
             </a:fld>
             <a:endParaRPr lang="en-US"/>
           </a:p>
@@ -1885,11 +1885,11 @@
   <p:clrMapOvr>
     <a:masterClrMapping/>
   </p:clrMapOvr>
-  <mc:AlternateContent xmlns:mc="http://schemas.openxmlformats.org/markup-compatibility/2006">
-    <mc:Choice xmlns:p14="http://schemas.microsoft.com/office/powerpoint/2010/main" xmlns="" Requires="p14">
+  <mc:AlternateContent xmlns:mc="http://schemas.openxmlformats.org/markup-compatibility/2006" xmlns:p14="http://schemas.microsoft.com/office/powerpoint/2010/main">
+    <mc:Choice Requires="p14">
       <p:transition p14:dur="0"/>
     </mc:Choice>
-    <mc:Fallback>
+    <mc:Fallback xmlns="">
       <p:transition/>
     </mc:Fallback>
   </mc:AlternateContent>
@@ -2123,7 +2123,7 @@
             <a:fld id="{1B7D6F30-1720-D44A-AAAC-31BBD1F6EF97}" type="datetimeFigureOut">
               <a:rPr lang="en-US" smtClean="0"/>
               <a:pPr/>
-              <a:t>2/23/2013</a:t>
+              <a:t>2/24/2013</a:t>
             </a:fld>
             <a:endParaRPr lang="en-US"/>
           </a:p>
@@ -2258,11 +2258,11 @@
   <p:clrMapOvr>
     <a:masterClrMapping/>
   </p:clrMapOvr>
-  <mc:AlternateContent xmlns:mc="http://schemas.openxmlformats.org/markup-compatibility/2006">
-    <mc:Choice xmlns:p14="http://schemas.microsoft.com/office/powerpoint/2010/main" xmlns="" Requires="p14">
+  <mc:AlternateContent xmlns:mc="http://schemas.openxmlformats.org/markup-compatibility/2006" xmlns:p14="http://schemas.microsoft.com/office/powerpoint/2010/main">
+    <mc:Choice Requires="p14">
       <p:transition p14:dur="0"/>
     </mc:Choice>
-    <mc:Fallback>
+    <mc:Fallback xmlns="">
       <p:transition/>
     </mc:Fallback>
   </mc:AlternateContent>
@@ -2383,7 +2383,7 @@
             <a:fld id="{1B7D6F30-1720-D44A-AAAC-31BBD1F6EF97}" type="datetimeFigureOut">
               <a:rPr lang="en-US" smtClean="0"/>
               <a:pPr/>
-              <a:t>2/23/2013</a:t>
+              <a:t>2/24/2013</a:t>
             </a:fld>
             <a:endParaRPr lang="en-US"/>
           </a:p>
@@ -2426,7 +2426,7 @@
             <a:fld id="{34F69241-712D-714D-B9ED-2633319E0850}" type="slidenum">
               <a:rPr lang="en-US" smtClean="0"/>
               <a:pPr/>
-              <a:t>‹N°›</a:t>
+              <a:t>‹#›</a:t>
             </a:fld>
             <a:endParaRPr lang="en-US"/>
           </a:p>
@@ -2437,11 +2437,11 @@
   <p:clrMapOvr>
     <a:masterClrMapping/>
   </p:clrMapOvr>
-  <mc:AlternateContent xmlns:mc="http://schemas.openxmlformats.org/markup-compatibility/2006">
-    <mc:Choice xmlns:p14="http://schemas.microsoft.com/office/powerpoint/2010/main" xmlns="" Requires="p14">
+  <mc:AlternateContent xmlns:mc="http://schemas.openxmlformats.org/markup-compatibility/2006" xmlns:p14="http://schemas.microsoft.com/office/powerpoint/2010/main">
+    <mc:Choice Requires="p14">
       <p:transition p14:dur="0"/>
     </mc:Choice>
-    <mc:Fallback>
+    <mc:Fallback xmlns="">
       <p:transition/>
     </mc:Fallback>
   </mc:AlternateContent>
@@ -2572,7 +2572,7 @@
             <a:fld id="{1B7D6F30-1720-D44A-AAAC-31BBD1F6EF97}" type="datetimeFigureOut">
               <a:rPr lang="en-US" smtClean="0"/>
               <a:pPr/>
-              <a:t>2/23/2013</a:t>
+              <a:t>2/24/2013</a:t>
             </a:fld>
             <a:endParaRPr lang="en-US"/>
           </a:p>
@@ -2615,7 +2615,7 @@
             <a:fld id="{34F69241-712D-714D-B9ED-2633319E0850}" type="slidenum">
               <a:rPr lang="en-US" smtClean="0"/>
               <a:pPr/>
-              <a:t>‹N°›</a:t>
+              <a:t>‹#›</a:t>
             </a:fld>
             <a:endParaRPr lang="en-US"/>
           </a:p>
@@ -2626,11 +2626,11 @@
   <p:clrMapOvr>
     <a:masterClrMapping/>
   </p:clrMapOvr>
-  <mc:AlternateContent xmlns:mc="http://schemas.openxmlformats.org/markup-compatibility/2006">
-    <mc:Choice xmlns:p14="http://schemas.microsoft.com/office/powerpoint/2010/main" xmlns="" Requires="p14">
+  <mc:AlternateContent xmlns:mc="http://schemas.openxmlformats.org/markup-compatibility/2006" xmlns:p14="http://schemas.microsoft.com/office/powerpoint/2010/main">
+    <mc:Choice Requires="p14">
       <p:transition p14:dur="0"/>
     </mc:Choice>
-    <mc:Fallback>
+    <mc:Fallback xmlns="">
       <p:transition/>
     </mc:Fallback>
   </mc:AlternateContent>
@@ -2756,7 +2756,7 @@
             <a:fld id="{1B7D6F30-1720-D44A-AAAC-31BBD1F6EF97}" type="datetimeFigureOut">
               <a:rPr lang="en-US" smtClean="0"/>
               <a:pPr/>
-              <a:t>2/23/2013</a:t>
+              <a:t>2/24/2013</a:t>
             </a:fld>
             <a:endParaRPr lang="en-US"/>
           </a:p>
@@ -2799,7 +2799,7 @@
             <a:fld id="{34F69241-712D-714D-B9ED-2633319E0850}" type="slidenum">
               <a:rPr lang="en-US" smtClean="0"/>
               <a:pPr/>
-              <a:t>‹N°›</a:t>
+              <a:t>‹#›</a:t>
             </a:fld>
             <a:endParaRPr lang="en-US"/>
           </a:p>
@@ -2810,11 +2810,11 @@
   <p:clrMapOvr>
     <a:masterClrMapping/>
   </p:clrMapOvr>
-  <mc:AlternateContent xmlns:mc="http://schemas.openxmlformats.org/markup-compatibility/2006">
-    <mc:Choice xmlns:p14="http://schemas.microsoft.com/office/powerpoint/2010/main" xmlns="" Requires="p14">
+  <mc:AlternateContent xmlns:mc="http://schemas.openxmlformats.org/markup-compatibility/2006" xmlns:p14="http://schemas.microsoft.com/office/powerpoint/2010/main">
+    <mc:Choice Requires="p14">
       <p:transition p14:dur="0"/>
     </mc:Choice>
-    <mc:Fallback>
+    <mc:Fallback xmlns="">
       <p:transition/>
     </mc:Fallback>
   </mc:AlternateContent>
@@ -3035,7 +3035,7 @@
             <a:fld id="{1B7D6F30-1720-D44A-AAAC-31BBD1F6EF97}" type="datetimeFigureOut">
               <a:rPr lang="en-US" smtClean="0"/>
               <a:pPr/>
-              <a:t>2/23/2013</a:t>
+              <a:t>2/24/2013</a:t>
             </a:fld>
             <a:endParaRPr lang="en-US"/>
           </a:p>
@@ -3100,11 +3100,11 @@
   <p:clrMapOvr>
     <a:masterClrMapping/>
   </p:clrMapOvr>
-  <mc:AlternateContent xmlns:mc="http://schemas.openxmlformats.org/markup-compatibility/2006">
-    <mc:Choice xmlns:p14="http://schemas.microsoft.com/office/powerpoint/2010/main" xmlns="" Requires="p14">
+  <mc:AlternateContent xmlns:mc="http://schemas.openxmlformats.org/markup-compatibility/2006" xmlns:p14="http://schemas.microsoft.com/office/powerpoint/2010/main">
+    <mc:Choice Requires="p14">
       <p:transition p14:dur="0"/>
     </mc:Choice>
-    <mc:Fallback>
+    <mc:Fallback xmlns="">
       <p:transition/>
     </mc:Fallback>
   </mc:AlternateContent>
@@ -3351,7 +3351,7 @@
             <a:fld id="{1B7D6F30-1720-D44A-AAAC-31BBD1F6EF97}" type="datetimeFigureOut">
               <a:rPr lang="en-US" smtClean="0"/>
               <a:pPr/>
-              <a:t>2/23/2013</a:t>
+              <a:t>2/24/2013</a:t>
             </a:fld>
             <a:endParaRPr lang="en-US"/>
           </a:p>
@@ -3394,7 +3394,7 @@
             <a:fld id="{34F69241-712D-714D-B9ED-2633319E0850}" type="slidenum">
               <a:rPr lang="en-US" smtClean="0"/>
               <a:pPr/>
-              <a:t>‹N°›</a:t>
+              <a:t>‹#›</a:t>
             </a:fld>
             <a:endParaRPr lang="en-US"/>
           </a:p>
@@ -3405,11 +3405,11 @@
   <p:clrMapOvr>
     <a:masterClrMapping/>
   </p:clrMapOvr>
-  <mc:AlternateContent xmlns:mc="http://schemas.openxmlformats.org/markup-compatibility/2006">
-    <mc:Choice xmlns:p14="http://schemas.microsoft.com/office/powerpoint/2010/main" xmlns="" Requires="p14">
+  <mc:AlternateContent xmlns:mc="http://schemas.openxmlformats.org/markup-compatibility/2006" xmlns:p14="http://schemas.microsoft.com/office/powerpoint/2010/main">
+    <mc:Choice Requires="p14">
       <p:transition p14:dur="0"/>
     </mc:Choice>
-    <mc:Fallback>
+    <mc:Fallback xmlns="">
       <p:transition/>
     </mc:Fallback>
   </mc:AlternateContent>
@@ -3653,7 +3653,7 @@
             <a:fld id="{1B7D6F30-1720-D44A-AAAC-31BBD1F6EF97}" type="datetimeFigureOut">
               <a:rPr lang="en-US" smtClean="0"/>
               <a:pPr/>
-              <a:t>2/23/2013</a:t>
+              <a:t>2/24/2013</a:t>
             </a:fld>
             <a:endParaRPr lang="en-US"/>
           </a:p>
@@ -3696,7 +3696,7 @@
             <a:fld id="{34F69241-712D-714D-B9ED-2633319E0850}" type="slidenum">
               <a:rPr lang="en-US" smtClean="0"/>
               <a:pPr/>
-              <a:t>‹N°›</a:t>
+              <a:t>‹#›</a:t>
             </a:fld>
             <a:endParaRPr lang="en-US"/>
           </a:p>
@@ -3707,11 +3707,11 @@
   <p:clrMapOvr>
     <a:masterClrMapping/>
   </p:clrMapOvr>
-  <mc:AlternateContent xmlns:mc="http://schemas.openxmlformats.org/markup-compatibility/2006">
-    <mc:Choice xmlns:p14="http://schemas.microsoft.com/office/powerpoint/2010/main" xmlns="" Requires="p14">
+  <mc:AlternateContent xmlns:mc="http://schemas.openxmlformats.org/markup-compatibility/2006" xmlns:p14="http://schemas.microsoft.com/office/powerpoint/2010/main">
+    <mc:Choice Requires="p14">
       <p:transition p14:dur="0"/>
     </mc:Choice>
-    <mc:Fallback>
+    <mc:Fallback xmlns="">
       <p:transition/>
     </mc:Fallback>
   </mc:AlternateContent>
@@ -4093,7 +4093,7 @@
             <a:fld id="{1B7D6F30-1720-D44A-AAAC-31BBD1F6EF97}" type="datetimeFigureOut">
               <a:rPr lang="en-US" smtClean="0"/>
               <a:pPr/>
-              <a:t>2/23/2013</a:t>
+              <a:t>2/24/2013</a:t>
             </a:fld>
             <a:endParaRPr lang="en-US"/>
           </a:p>
@@ -4141,7 +4141,7 @@
             <a:fld id="{34F69241-712D-714D-B9ED-2633319E0850}" type="slidenum">
               <a:rPr lang="en-US" smtClean="0"/>
               <a:pPr/>
-              <a:t>‹N°›</a:t>
+              <a:t>‹#›</a:t>
             </a:fld>
             <a:endParaRPr lang="en-US"/>
           </a:p>
@@ -4380,11 +4380,11 @@
   <p:clrMapOvr>
     <a:masterClrMapping/>
   </p:clrMapOvr>
-  <mc:AlternateContent xmlns:mc="http://schemas.openxmlformats.org/markup-compatibility/2006">
-    <mc:Choice xmlns:p14="http://schemas.microsoft.com/office/powerpoint/2010/main" xmlns="" Requires="p14">
+  <mc:AlternateContent xmlns:mc="http://schemas.openxmlformats.org/markup-compatibility/2006" xmlns:p14="http://schemas.microsoft.com/office/powerpoint/2010/main">
+    <mc:Choice Requires="p14">
       <p:transition p14:dur="0"/>
     </mc:Choice>
-    <mc:Fallback>
+    <mc:Fallback xmlns="">
       <p:transition/>
     </mc:Fallback>
   </mc:AlternateContent>
@@ -4449,7 +4449,7 @@
             <a:fld id="{1B7D6F30-1720-D44A-AAAC-31BBD1F6EF97}" type="datetimeFigureOut">
               <a:rPr lang="en-US" smtClean="0"/>
               <a:pPr/>
-              <a:t>2/23/2013</a:t>
+              <a:t>2/24/2013</a:t>
             </a:fld>
             <a:endParaRPr lang="en-US"/>
           </a:p>
@@ -4492,7 +4492,7 @@
             <a:fld id="{34F69241-712D-714D-B9ED-2633319E0850}" type="slidenum">
               <a:rPr lang="en-US" smtClean="0"/>
               <a:pPr/>
-              <a:t>‹N°›</a:t>
+              <a:t>‹#›</a:t>
             </a:fld>
             <a:endParaRPr lang="en-US"/>
           </a:p>
@@ -4503,11 +4503,11 @@
   <p:clrMapOvr>
     <a:masterClrMapping/>
   </p:clrMapOvr>
-  <mc:AlternateContent xmlns:mc="http://schemas.openxmlformats.org/markup-compatibility/2006">
-    <mc:Choice xmlns:p14="http://schemas.microsoft.com/office/powerpoint/2010/main" xmlns="" Requires="p14">
+  <mc:AlternateContent xmlns:mc="http://schemas.openxmlformats.org/markup-compatibility/2006" xmlns:p14="http://schemas.microsoft.com/office/powerpoint/2010/main">
+    <mc:Choice Requires="p14">
       <p:transition p14:dur="0"/>
     </mc:Choice>
-    <mc:Fallback>
+    <mc:Fallback xmlns="">
       <p:transition/>
     </mc:Fallback>
   </mc:AlternateContent>
@@ -4549,7 +4549,7 @@
             <a:fld id="{1B7D6F30-1720-D44A-AAAC-31BBD1F6EF97}" type="datetimeFigureOut">
               <a:rPr lang="en-US" smtClean="0"/>
               <a:pPr/>
-              <a:t>2/23/2013</a:t>
+              <a:t>2/24/2013</a:t>
             </a:fld>
             <a:endParaRPr lang="en-US"/>
           </a:p>
@@ -4592,7 +4592,7 @@
             <a:fld id="{34F69241-712D-714D-B9ED-2633319E0850}" type="slidenum">
               <a:rPr lang="en-US" smtClean="0"/>
               <a:pPr/>
-              <a:t>‹N°›</a:t>
+              <a:t>‹#›</a:t>
             </a:fld>
             <a:endParaRPr lang="en-US"/>
           </a:p>
@@ -4603,11 +4603,11 @@
   <p:clrMapOvr>
     <a:masterClrMapping/>
   </p:clrMapOvr>
-  <mc:AlternateContent xmlns:mc="http://schemas.openxmlformats.org/markup-compatibility/2006">
-    <mc:Choice xmlns:p14="http://schemas.microsoft.com/office/powerpoint/2010/main" xmlns="" Requires="p14">
+  <mc:AlternateContent xmlns:mc="http://schemas.openxmlformats.org/markup-compatibility/2006" xmlns:p14="http://schemas.microsoft.com/office/powerpoint/2010/main">
+    <mc:Choice Requires="p14">
       <p:transition p14:dur="0"/>
     </mc:Choice>
-    <mc:Fallback>
+    <mc:Fallback xmlns="">
       <p:transition/>
     </mc:Fallback>
   </mc:AlternateContent>
@@ -4896,7 +4896,7 @@
             <a:fld id="{1B7D6F30-1720-D44A-AAAC-31BBD1F6EF97}" type="datetimeFigureOut">
               <a:rPr lang="en-US" smtClean="0"/>
               <a:pPr/>
-              <a:t>2/23/2013</a:t>
+              <a:t>2/24/2013</a:t>
             </a:fld>
             <a:endParaRPr lang="en-US"/>
           </a:p>
@@ -4939,7 +4939,7 @@
             <a:fld id="{34F69241-712D-714D-B9ED-2633319E0850}" type="slidenum">
               <a:rPr lang="en-US" smtClean="0"/>
               <a:pPr/>
-              <a:t>‹N°›</a:t>
+              <a:t>‹#›</a:t>
             </a:fld>
             <a:endParaRPr lang="en-US"/>
           </a:p>
@@ -4950,11 +4950,11 @@
   <p:clrMapOvr>
     <a:masterClrMapping/>
   </p:clrMapOvr>
-  <mc:AlternateContent xmlns:mc="http://schemas.openxmlformats.org/markup-compatibility/2006">
-    <mc:Choice xmlns:p14="http://schemas.microsoft.com/office/powerpoint/2010/main" xmlns="" Requires="p14">
+  <mc:AlternateContent xmlns:mc="http://schemas.openxmlformats.org/markup-compatibility/2006" xmlns:p14="http://schemas.microsoft.com/office/powerpoint/2010/main">
+    <mc:Choice Requires="p14">
       <p:transition p14:dur="0"/>
     </mc:Choice>
-    <mc:Fallback>
+    <mc:Fallback xmlns="">
       <p:transition/>
     </mc:Fallback>
   </mc:AlternateContent>
@@ -5118,7 +5118,7 @@
             <a:fld id="{1B7D6F30-1720-D44A-AAAC-31BBD1F6EF97}" type="datetimeFigureOut">
               <a:rPr lang="en-US" smtClean="0"/>
               <a:pPr/>
-              <a:t>2/23/2013</a:t>
+              <a:t>2/24/2013</a:t>
             </a:fld>
             <a:endParaRPr lang="en-US"/>
           </a:p>
@@ -5199,7 +5199,7 @@
             <a:fld id="{34F69241-712D-714D-B9ED-2633319E0850}" type="slidenum">
               <a:rPr lang="en-US" smtClean="0"/>
               <a:pPr/>
-              <a:t>‹N°›</a:t>
+              <a:t>‹#›</a:t>
             </a:fld>
             <a:endParaRPr lang="en-US"/>
           </a:p>
@@ -5323,11 +5323,11 @@
     <p:sldLayoutId id="2147484090" r:id="rId14"/>
     <p:sldLayoutId id="2147484091" r:id="rId15"/>
   </p:sldLayoutIdLst>
-  <mc:AlternateContent xmlns:mc="http://schemas.openxmlformats.org/markup-compatibility/2006">
-    <mc:Choice xmlns:p14="http://schemas.microsoft.com/office/powerpoint/2010/main" xmlns="" Requires="p14">
+  <mc:AlternateContent xmlns:mc="http://schemas.openxmlformats.org/markup-compatibility/2006" xmlns:p14="http://schemas.microsoft.com/office/powerpoint/2010/main">
+    <mc:Choice Requires="p14">
       <p:transition p14:dur="0"/>
     </mc:Choice>
-    <mc:Fallback>
+    <mc:Fallback xmlns="">
       <p:transition/>
     </mc:Fallback>
   </mc:AlternateContent>
@@ -5716,7 +5716,11 @@
             <a:pPr marL="0" indent="0"/>
             <a:r>
               <a:rPr lang="fr-FR" dirty="0" smtClean="0"/>
-              <a:t>Lis les </a:t>
+              <a:t>Lit </a:t>
+            </a:r>
+            <a:r>
+              <a:rPr lang="fr-FR" dirty="0" smtClean="0"/>
+              <a:t>les </a:t>
             </a:r>
             <a:r>
               <a:rPr lang="fr-FR" dirty="0" err="1" smtClean="0"/>
@@ -5738,17 +5742,8 @@
             <a:pPr marL="0" indent="0"/>
             <a:r>
               <a:rPr lang="fr-FR" dirty="0" smtClean="0"/>
-              <a:t>Testé sur 42 images (angles, distances</a:t>
-            </a:r>
-            <a:r>
-              <a:rPr lang="fr-FR" dirty="0" smtClean="0"/>
-              <a:t> </a:t>
-            </a:r>
-            <a:r>
-              <a:rPr lang="fr-FR" dirty="0" smtClean="0"/>
-              <a:t>et éclairages variés);</a:t>
-            </a:r>
-            <a:endParaRPr lang="fr-FR" dirty="0" smtClean="0"/>
+              <a:t>Testé sur 42 images (angles, distances et éclairages variés);</a:t>
+            </a:r>
           </a:p>
           <a:p>
             <a:pPr marL="0" indent="0"/>
@@ -5761,7 +5756,15 @@
             <a:pPr marL="0" indent="0"/>
             <a:r>
               <a:rPr lang="fr-FR" dirty="0" smtClean="0"/>
-              <a:t>Réduction taux d’erreur en utilisant 3 images.</a:t>
+              <a:t>Réduction </a:t>
+            </a:r>
+            <a:r>
+              <a:rPr lang="fr-FR" dirty="0" smtClean="0"/>
+              <a:t>du taux </a:t>
+            </a:r>
+            <a:r>
+              <a:rPr lang="fr-FR" dirty="0" smtClean="0"/>
+              <a:t>d’erreur en utilisant 3 images.</a:t>
             </a:r>
             <a:endParaRPr lang="fr-FR" dirty="0"/>
           </a:p>
@@ -5770,18 +5773,18 @@
     </p:spTree>
     <p:extLst>
       <p:ext uri="{BB962C8B-B14F-4D97-AF65-F5344CB8AC3E}">
-        <p14:creationId xmlns:p14="http://schemas.microsoft.com/office/powerpoint/2010/main" xmlns="" val="1143801389"/>
+        <p14:creationId xmlns:p14="http://schemas.microsoft.com/office/powerpoint/2010/main" val="1143801389"/>
       </p:ext>
     </p:extLst>
   </p:cSld>
   <p:clrMapOvr>
     <a:masterClrMapping/>
   </p:clrMapOvr>
-  <mc:AlternateContent xmlns:mc="http://schemas.openxmlformats.org/markup-compatibility/2006">
-    <mc:Choice xmlns:p14="http://schemas.microsoft.com/office/powerpoint/2010/main" xmlns="" Requires="p14">
+  <mc:AlternateContent xmlns:mc="http://schemas.openxmlformats.org/markup-compatibility/2006" xmlns:p14="http://schemas.microsoft.com/office/powerpoint/2010/main">
+    <mc:Choice Requires="p14">
       <p:transition p14:dur="0"/>
     </mc:Choice>
-    <mc:Fallback>
+    <mc:Fallback xmlns="">
       <p:transition spd="slow">
         <p:fade/>
       </p:transition>
@@ -6380,18 +6383,18 @@
     </p:spTree>
     <p:extLst>
       <p:ext uri="{BB962C8B-B14F-4D97-AF65-F5344CB8AC3E}">
-        <p14:creationId xmlns:p14="http://schemas.microsoft.com/office/powerpoint/2010/main" xmlns="" val="1143801389"/>
+        <p14:creationId xmlns:p14="http://schemas.microsoft.com/office/powerpoint/2010/main" val="1143801389"/>
       </p:ext>
     </p:extLst>
   </p:cSld>
   <p:clrMapOvr>
     <a:masterClrMapping/>
   </p:clrMapOvr>
-  <mc:AlternateContent xmlns:mc="http://schemas.openxmlformats.org/markup-compatibility/2006">
-    <mc:Choice xmlns:p14="http://schemas.microsoft.com/office/powerpoint/2010/main" xmlns="" Requires="p14">
+  <mc:AlternateContent xmlns:mc="http://schemas.openxmlformats.org/markup-compatibility/2006" xmlns:p14="http://schemas.microsoft.com/office/powerpoint/2010/main">
+    <mc:Choice Requires="p14">
       <p:transition p14:dur="0"/>
     </mc:Choice>
-    <mc:Fallback>
+    <mc:Fallback xmlns="">
       <p:transition spd="slow">
         <p:fade/>
       </p:transition>
@@ -6525,18 +6528,18 @@
     </p:spTree>
     <p:extLst>
       <p:ext uri="{BB962C8B-B14F-4D97-AF65-F5344CB8AC3E}">
-        <p14:creationId xmlns:p14="http://schemas.microsoft.com/office/powerpoint/2010/main" xmlns="" val="1143801389"/>
+        <p14:creationId xmlns:p14="http://schemas.microsoft.com/office/powerpoint/2010/main" val="1143801389"/>
       </p:ext>
     </p:extLst>
   </p:cSld>
   <p:clrMapOvr>
     <a:masterClrMapping/>
   </p:clrMapOvr>
-  <mc:AlternateContent xmlns:mc="http://schemas.openxmlformats.org/markup-compatibility/2006">
-    <mc:Choice xmlns:p14="http://schemas.microsoft.com/office/powerpoint/2010/main" xmlns="" Requires="p14">
+  <mc:AlternateContent xmlns:mc="http://schemas.openxmlformats.org/markup-compatibility/2006" xmlns:p14="http://schemas.microsoft.com/office/powerpoint/2010/main">
+    <mc:Choice Requires="p14">
       <p:transition p14:dur="0"/>
     </mc:Choice>
-    <mc:Fallback>
+    <mc:Fallback xmlns="">
       <p:transition spd="slow">
         <p:fade/>
       </p:transition>
@@ -6638,11 +6641,7 @@
             <a:pPr marL="0" indent="0"/>
             <a:r>
               <a:rPr lang="fr-FR" dirty="0" smtClean="0"/>
-              <a:t> </a:t>
-            </a:r>
-            <a:r>
-              <a:rPr lang="fr-FR" dirty="0" smtClean="0"/>
-              <a:t>Programmation : </a:t>
+              <a:t> Programmation : </a:t>
             </a:r>
             <a:r>
               <a:rPr lang="fr-FR" dirty="0" err="1" smtClean="0"/>
@@ -6657,11 +6656,7 @@
             <a:pPr marL="0" indent="0"/>
             <a:r>
               <a:rPr lang="fr-FR" dirty="0" smtClean="0"/>
-              <a:t> </a:t>
-            </a:r>
-            <a:r>
-              <a:rPr lang="fr-FR" dirty="0" smtClean="0"/>
-              <a:t>Tests : </a:t>
+              <a:t> Tests : </a:t>
             </a:r>
             <a:r>
               <a:rPr lang="fr-FR" dirty="0" err="1" smtClean="0"/>
@@ -6693,18 +6688,18 @@
     </p:spTree>
     <p:extLst>
       <p:ext uri="{BB962C8B-B14F-4D97-AF65-F5344CB8AC3E}">
-        <p14:creationId xmlns:p14="http://schemas.microsoft.com/office/powerpoint/2010/main" xmlns="" val="1143801389"/>
+        <p14:creationId xmlns:p14="http://schemas.microsoft.com/office/powerpoint/2010/main" val="1143801389"/>
       </p:ext>
     </p:extLst>
   </p:cSld>
   <p:clrMapOvr>
     <a:masterClrMapping/>
   </p:clrMapOvr>
-  <mc:AlternateContent xmlns:mc="http://schemas.openxmlformats.org/markup-compatibility/2006">
-    <mc:Choice xmlns:p14="http://schemas.microsoft.com/office/powerpoint/2010/main" xmlns="" Requires="p14">
+  <mc:AlternateContent xmlns:mc="http://schemas.openxmlformats.org/markup-compatibility/2006" xmlns:p14="http://schemas.microsoft.com/office/powerpoint/2010/main">
+    <mc:Choice Requires="p14">
       <p:transition p14:dur="0"/>
     </mc:Choice>
-    <mc:Fallback>
+    <mc:Fallback xmlns="">
       <p:transition spd="slow">
         <p:fade/>
       </p:transition>
